--- a/DATA rECODING/Präsentation1.pptx
+++ b/DATA rECODING/Präsentation1.pptx
@@ -261,7 +261,7 @@
           <a:p>
             <a:fld id="{F7FD075F-7FDD-47A1-8980-F4A3A0F01244}" type="datetimeFigureOut">
               <a:rPr lang="de-DE" smtClean="0"/>
-              <a:t>22.06.2022</a:t>
+              <a:t>27.06.2022</a:t>
             </a:fld>
             <a:endParaRPr lang="de-DE"/>
           </a:p>
@@ -459,7 +459,7 @@
           <a:p>
             <a:fld id="{F7FD075F-7FDD-47A1-8980-F4A3A0F01244}" type="datetimeFigureOut">
               <a:rPr lang="de-DE" smtClean="0"/>
-              <a:t>22.06.2022</a:t>
+              <a:t>27.06.2022</a:t>
             </a:fld>
             <a:endParaRPr lang="de-DE"/>
           </a:p>
@@ -667,7 +667,7 @@
           <a:p>
             <a:fld id="{F7FD075F-7FDD-47A1-8980-F4A3A0F01244}" type="datetimeFigureOut">
               <a:rPr lang="de-DE" smtClean="0"/>
-              <a:t>22.06.2022</a:t>
+              <a:t>27.06.2022</a:t>
             </a:fld>
             <a:endParaRPr lang="de-DE"/>
           </a:p>
@@ -865,7 +865,7 @@
           <a:p>
             <a:fld id="{F7FD075F-7FDD-47A1-8980-F4A3A0F01244}" type="datetimeFigureOut">
               <a:rPr lang="de-DE" smtClean="0"/>
-              <a:t>22.06.2022</a:t>
+              <a:t>27.06.2022</a:t>
             </a:fld>
             <a:endParaRPr lang="de-DE"/>
           </a:p>
@@ -1140,7 +1140,7 @@
           <a:p>
             <a:fld id="{F7FD075F-7FDD-47A1-8980-F4A3A0F01244}" type="datetimeFigureOut">
               <a:rPr lang="de-DE" smtClean="0"/>
-              <a:t>22.06.2022</a:t>
+              <a:t>27.06.2022</a:t>
             </a:fld>
             <a:endParaRPr lang="de-DE"/>
           </a:p>
@@ -1405,7 +1405,7 @@
           <a:p>
             <a:fld id="{F7FD075F-7FDD-47A1-8980-F4A3A0F01244}" type="datetimeFigureOut">
               <a:rPr lang="de-DE" smtClean="0"/>
-              <a:t>22.06.2022</a:t>
+              <a:t>27.06.2022</a:t>
             </a:fld>
             <a:endParaRPr lang="de-DE"/>
           </a:p>
@@ -1817,7 +1817,7 @@
           <a:p>
             <a:fld id="{F7FD075F-7FDD-47A1-8980-F4A3A0F01244}" type="datetimeFigureOut">
               <a:rPr lang="de-DE" smtClean="0"/>
-              <a:t>22.06.2022</a:t>
+              <a:t>27.06.2022</a:t>
             </a:fld>
             <a:endParaRPr lang="de-DE"/>
           </a:p>
@@ -1958,7 +1958,7 @@
           <a:p>
             <a:fld id="{F7FD075F-7FDD-47A1-8980-F4A3A0F01244}" type="datetimeFigureOut">
               <a:rPr lang="de-DE" smtClean="0"/>
-              <a:t>22.06.2022</a:t>
+              <a:t>27.06.2022</a:t>
             </a:fld>
             <a:endParaRPr lang="de-DE"/>
           </a:p>
@@ -2071,7 +2071,7 @@
           <a:p>
             <a:fld id="{F7FD075F-7FDD-47A1-8980-F4A3A0F01244}" type="datetimeFigureOut">
               <a:rPr lang="de-DE" smtClean="0"/>
-              <a:t>22.06.2022</a:t>
+              <a:t>27.06.2022</a:t>
             </a:fld>
             <a:endParaRPr lang="de-DE"/>
           </a:p>
@@ -2382,7 +2382,7 @@
           <a:p>
             <a:fld id="{F7FD075F-7FDD-47A1-8980-F4A3A0F01244}" type="datetimeFigureOut">
               <a:rPr lang="de-DE" smtClean="0"/>
-              <a:t>22.06.2022</a:t>
+              <a:t>27.06.2022</a:t>
             </a:fld>
             <a:endParaRPr lang="de-DE"/>
           </a:p>
@@ -2670,7 +2670,7 @@
           <a:p>
             <a:fld id="{F7FD075F-7FDD-47A1-8980-F4A3A0F01244}" type="datetimeFigureOut">
               <a:rPr lang="de-DE" smtClean="0"/>
-              <a:t>22.06.2022</a:t>
+              <a:t>27.06.2022</a:t>
             </a:fld>
             <a:endParaRPr lang="de-DE"/>
           </a:p>
@@ -2911,7 +2911,7 @@
           <a:p>
             <a:fld id="{F7FD075F-7FDD-47A1-8980-F4A3A0F01244}" type="datetimeFigureOut">
               <a:rPr lang="de-DE" smtClean="0"/>
-              <a:t>22.06.2022</a:t>
+              <a:t>27.06.2022</a:t>
             </a:fld>
             <a:endParaRPr lang="de-DE"/>
           </a:p>
@@ -3378,6 +3378,51 @@
           </a:p>
         </p:txBody>
       </p:sp>
+      <p:cxnSp>
+        <p:nvCxnSpPr>
+          <p:cNvPr id="4" name="Gerade Verbindung mit Pfeil 3">
+            <a:extLst>
+              <a:ext uri="{FF2B5EF4-FFF2-40B4-BE49-F238E27FC236}">
+                <a16:creationId xmlns:a16="http://schemas.microsoft.com/office/drawing/2014/main" id="{C2A52B20-CAD7-AD95-EC59-FF299DC03A15}"/>
+              </a:ext>
+            </a:extLst>
+          </p:cNvPr>
+          <p:cNvCxnSpPr>
+            <a:cxnSpLocks/>
+          </p:cNvCxnSpPr>
+          <p:nvPr/>
+        </p:nvCxnSpPr>
+        <p:spPr>
+          <a:xfrm>
+            <a:off x="312166" y="5778500"/>
+            <a:ext cx="1960880" cy="0"/>
+          </a:xfrm>
+          <a:prstGeom prst="straightConnector1">
+            <a:avLst/>
+          </a:prstGeom>
+          <a:ln w="28575">
+            <a:solidFill>
+              <a:srgbClr val="0070C0"/>
+            </a:solidFill>
+            <a:headEnd type="triangle"/>
+            <a:tailEnd type="triangle"/>
+          </a:ln>
+        </p:spPr>
+        <p:style>
+          <a:lnRef idx="1">
+            <a:schemeClr val="accent1"/>
+          </a:lnRef>
+          <a:fillRef idx="0">
+            <a:schemeClr val="accent1"/>
+          </a:fillRef>
+          <a:effectRef idx="0">
+            <a:schemeClr val="accent1"/>
+          </a:effectRef>
+          <a:fontRef idx="minor">
+            <a:schemeClr val="tx1"/>
+          </a:fontRef>
+        </p:style>
+      </p:cxnSp>
     </p:spTree>
     <p:extLst>
       <p:ext uri="{BB962C8B-B14F-4D97-AF65-F5344CB8AC3E}">
@@ -3441,17 +3486,419 @@
         </p:blipFill>
         <p:spPr>
           <a:xfrm>
-            <a:off x="146476" y="898683"/>
+            <a:off x="146476" y="153521"/>
             <a:ext cx="11899048" cy="5738813"/>
           </a:xfrm>
         </p:spPr>
       </p:pic>
+      <p:grpSp>
+        <p:nvGrpSpPr>
+          <p:cNvPr id="13" name="Gruppieren 12">
+            <a:extLst>
+              <a:ext uri="{FF2B5EF4-FFF2-40B4-BE49-F238E27FC236}">
+                <a16:creationId xmlns:a16="http://schemas.microsoft.com/office/drawing/2014/main" id="{73B132DB-9721-0984-3A24-2F4168D0840E}"/>
+              </a:ext>
+            </a:extLst>
+          </p:cNvPr>
+          <p:cNvGrpSpPr/>
+          <p:nvPr/>
+        </p:nvGrpSpPr>
+        <p:grpSpPr>
+          <a:xfrm>
+            <a:off x="312166" y="419100"/>
+            <a:ext cx="10917809" cy="5359400"/>
+            <a:chOff x="331216" y="1143000"/>
+            <a:chExt cx="10917809" cy="5359400"/>
+          </a:xfrm>
+        </p:grpSpPr>
+        <p:cxnSp>
+          <p:nvCxnSpPr>
+            <p:cNvPr id="11" name="Gerader Verbinder 10">
+              <a:extLst>
+                <a:ext uri="{FF2B5EF4-FFF2-40B4-BE49-F238E27FC236}">
+                  <a16:creationId xmlns:a16="http://schemas.microsoft.com/office/drawing/2014/main" id="{2655F349-F93A-C852-9956-D8053DE8495B}"/>
+                </a:ext>
+              </a:extLst>
+            </p:cNvPr>
+            <p:cNvCxnSpPr>
+              <a:cxnSpLocks/>
+            </p:cNvCxnSpPr>
+            <p:nvPr/>
+          </p:nvCxnSpPr>
+          <p:spPr>
+            <a:xfrm flipH="1">
+              <a:off x="7096125" y="1143000"/>
+              <a:ext cx="4152900" cy="5191125"/>
+            </a:xfrm>
+            <a:prstGeom prst="line">
+              <a:avLst/>
+            </a:prstGeom>
+            <a:ln w="12700">
+              <a:solidFill>
+                <a:srgbClr val="FF0000"/>
+              </a:solidFill>
+            </a:ln>
+          </p:spPr>
+          <p:style>
+            <a:lnRef idx="1">
+              <a:schemeClr val="accent1"/>
+            </a:lnRef>
+            <a:fillRef idx="0">
+              <a:schemeClr val="accent1"/>
+            </a:fillRef>
+            <a:effectRef idx="0">
+              <a:schemeClr val="accent1"/>
+            </a:effectRef>
+            <a:fontRef idx="minor">
+              <a:schemeClr val="tx1"/>
+            </a:fontRef>
+          </p:style>
+        </p:cxnSp>
+        <p:cxnSp>
+          <p:nvCxnSpPr>
+            <p:cNvPr id="3" name="Gerade Verbindung mit Pfeil 2">
+              <a:extLst>
+                <a:ext uri="{FF2B5EF4-FFF2-40B4-BE49-F238E27FC236}">
+                  <a16:creationId xmlns:a16="http://schemas.microsoft.com/office/drawing/2014/main" id="{3A37542C-39DE-F3A4-5B2C-9B4A4BE86E53}"/>
+                </a:ext>
+              </a:extLst>
+            </p:cNvPr>
+            <p:cNvCxnSpPr>
+              <a:cxnSpLocks/>
+            </p:cNvCxnSpPr>
+            <p:nvPr/>
+          </p:nvCxnSpPr>
+          <p:spPr>
+            <a:xfrm>
+              <a:off x="331216" y="6502400"/>
+              <a:ext cx="1960880" cy="0"/>
+            </a:xfrm>
+            <a:prstGeom prst="straightConnector1">
+              <a:avLst/>
+            </a:prstGeom>
+            <a:ln w="28575">
+              <a:solidFill>
+                <a:srgbClr val="0070C0"/>
+              </a:solidFill>
+              <a:headEnd type="triangle"/>
+              <a:tailEnd type="triangle"/>
+            </a:ln>
+          </p:spPr>
+          <p:style>
+            <a:lnRef idx="1">
+              <a:schemeClr val="accent1"/>
+            </a:lnRef>
+            <a:fillRef idx="0">
+              <a:schemeClr val="accent1"/>
+            </a:fillRef>
+            <a:effectRef idx="0">
+              <a:schemeClr val="accent1"/>
+            </a:effectRef>
+            <a:fontRef idx="minor">
+              <a:schemeClr val="tx1"/>
+            </a:fontRef>
+          </p:style>
+        </p:cxnSp>
+        <p:cxnSp>
+          <p:nvCxnSpPr>
+            <p:cNvPr id="10" name="Gerade Verbindung mit Pfeil 9">
+              <a:extLst>
+                <a:ext uri="{FF2B5EF4-FFF2-40B4-BE49-F238E27FC236}">
+                  <a16:creationId xmlns:a16="http://schemas.microsoft.com/office/drawing/2014/main" id="{43F1E1DE-EFE2-1518-1532-98FDD98AC48D}"/>
+                </a:ext>
+              </a:extLst>
+            </p:cNvPr>
+            <p:cNvCxnSpPr>
+              <a:cxnSpLocks/>
+            </p:cNvCxnSpPr>
+            <p:nvPr/>
+          </p:nvCxnSpPr>
+          <p:spPr>
+            <a:xfrm>
+              <a:off x="2292096" y="6502400"/>
+              <a:ext cx="4804029" cy="0"/>
+            </a:xfrm>
+            <a:prstGeom prst="straightConnector1">
+              <a:avLst/>
+            </a:prstGeom>
+            <a:ln w="28575">
+              <a:solidFill>
+                <a:srgbClr val="0070C0"/>
+              </a:solidFill>
+              <a:headEnd type="triangle"/>
+              <a:tailEnd type="triangle"/>
+            </a:ln>
+          </p:spPr>
+          <p:style>
+            <a:lnRef idx="1">
+              <a:schemeClr val="accent1"/>
+            </a:lnRef>
+            <a:fillRef idx="0">
+              <a:schemeClr val="accent1"/>
+            </a:fillRef>
+            <a:effectRef idx="0">
+              <a:schemeClr val="accent1"/>
+            </a:effectRef>
+            <a:fontRef idx="minor">
+              <a:schemeClr val="tx1"/>
+            </a:fontRef>
+          </p:style>
+        </p:cxnSp>
+      </p:grpSp>
+      <mc:AlternateContent xmlns:mc="http://schemas.openxmlformats.org/markup-compatibility/2006" xmlns:a14="http://schemas.microsoft.com/office/drawing/2010/main">
+        <mc:Choice Requires="a14">
+          <p:sp>
+            <p:nvSpPr>
+              <p:cNvPr id="14" name="Textfeld 13">
+                <a:extLst>
+                  <a:ext uri="{FF2B5EF4-FFF2-40B4-BE49-F238E27FC236}">
+                    <a16:creationId xmlns:a16="http://schemas.microsoft.com/office/drawing/2014/main" id="{9A1472B3-C273-5604-92E0-1B494C851DDA}"/>
+                  </a:ext>
+                </a:extLst>
+              </p:cNvPr>
+              <p:cNvSpPr txBox="1"/>
+              <p:nvPr/>
+            </p:nvSpPr>
+            <p:spPr>
+              <a:xfrm>
+                <a:off x="1165744" y="5892333"/>
+                <a:ext cx="253724" cy="276999"/>
+              </a:xfrm>
+              <a:prstGeom prst="rect">
+                <a:avLst/>
+              </a:prstGeom>
+              <a:noFill/>
+            </p:spPr>
+            <p:txBody>
+              <a:bodyPr wrap="none" lIns="0" tIns="0" rIns="0" bIns="0" rtlCol="0">
+                <a:spAutoFit/>
+              </a:bodyPr>
+              <a:lstStyle/>
+              <a:p>
+                <a:pPr/>
+                <a14:m>
+                  <m:oMathPara xmlns:m="http://schemas.openxmlformats.org/officeDocument/2006/math">
+                    <m:oMathParaPr>
+                      <m:jc m:val="centerGroup"/>
+                    </m:oMathParaPr>
+                    <m:oMath xmlns:m="http://schemas.openxmlformats.org/officeDocument/2006/math">
+                      <m:sSub>
+                        <m:sSubPr>
+                          <m:ctrlPr>
+                            <a:rPr lang="de-DE" i="1" smtClean="0">
+                              <a:solidFill>
+                                <a:srgbClr val="0070C0"/>
+                              </a:solidFill>
+                              <a:latin typeface="Cambria Math" panose="02040503050406030204" pitchFamily="18" charset="0"/>
+                            </a:rPr>
+                          </m:ctrlPr>
+                        </m:sSubPr>
+                        <m:e>
+                          <m:r>
+                            <a:rPr lang="de-DE" b="0" i="1" smtClean="0">
+                              <a:solidFill>
+                                <a:srgbClr val="0070C0"/>
+                              </a:solidFill>
+                              <a:latin typeface="Cambria Math" panose="02040503050406030204" pitchFamily="18" charset="0"/>
+                            </a:rPr>
+                            <m:t>𝑇</m:t>
+                          </m:r>
+                        </m:e>
+                        <m:sub>
+                          <m:r>
+                            <a:rPr lang="de-DE" b="0" i="1" smtClean="0">
+                              <a:solidFill>
+                                <a:srgbClr val="0070C0"/>
+                              </a:solidFill>
+                              <a:latin typeface="Cambria Math" panose="02040503050406030204" pitchFamily="18" charset="0"/>
+                            </a:rPr>
+                            <m:t>𝑡</m:t>
+                          </m:r>
+                        </m:sub>
+                      </m:sSub>
+                    </m:oMath>
+                  </m:oMathPara>
+                </a14:m>
+                <a:endParaRPr lang="de-DE" dirty="0"/>
+              </a:p>
+            </p:txBody>
+          </p:sp>
+        </mc:Choice>
+        <mc:Fallback xmlns="">
+          <p:sp>
+            <p:nvSpPr>
+              <p:cNvPr id="14" name="Textfeld 13">
+                <a:extLst>
+                  <a:ext uri="{FF2B5EF4-FFF2-40B4-BE49-F238E27FC236}">
+                    <a16:creationId xmlns:a16="http://schemas.microsoft.com/office/drawing/2014/main" id="{9A1472B3-C273-5604-92E0-1B494C851DDA}"/>
+                  </a:ext>
+                </a:extLst>
+              </p:cNvPr>
+              <p:cNvSpPr txBox="1">
+                <a:spLocks noRot="1" noChangeAspect="1" noMove="1" noResize="1" noEditPoints="1" noAdjustHandles="1" noChangeArrowheads="1" noChangeShapeType="1" noTextEdit="1"/>
+              </p:cNvSpPr>
+              <p:nvPr/>
+            </p:nvSpPr>
+            <p:spPr>
+              <a:xfrm>
+                <a:off x="1165744" y="5892333"/>
+                <a:ext cx="253724" cy="276999"/>
+              </a:xfrm>
+              <a:prstGeom prst="rect">
+                <a:avLst/>
+              </a:prstGeom>
+              <a:blipFill>
+                <a:blip r:embed="rId4"/>
+                <a:stretch>
+                  <a:fillRect l="-21429" r="-4762" b="-15556"/>
+                </a:stretch>
+              </a:blipFill>
+            </p:spPr>
+            <p:txBody>
+              <a:bodyPr/>
+              <a:lstStyle/>
+              <a:p>
+                <a:r>
+                  <a:rPr lang="de-DE">
+                    <a:noFill/>
+                  </a:rPr>
+                  <a:t> </a:t>
+                </a:r>
+              </a:p>
+            </p:txBody>
+          </p:sp>
+        </mc:Fallback>
+      </mc:AlternateContent>
+      <mc:AlternateContent xmlns:mc="http://schemas.openxmlformats.org/markup-compatibility/2006" xmlns:a14="http://schemas.microsoft.com/office/drawing/2010/main">
+        <mc:Choice Requires="a14">
+          <p:sp>
+            <p:nvSpPr>
+              <p:cNvPr id="15" name="Textfeld 14">
+                <a:extLst>
+                  <a:ext uri="{FF2B5EF4-FFF2-40B4-BE49-F238E27FC236}">
+                    <a16:creationId xmlns:a16="http://schemas.microsoft.com/office/drawing/2014/main" id="{01CB34D9-7ADD-7E3B-680E-C08F9F475534}"/>
+                  </a:ext>
+                </a:extLst>
+              </p:cNvPr>
+              <p:cNvSpPr txBox="1"/>
+              <p:nvPr/>
+            </p:nvSpPr>
+            <p:spPr>
+              <a:xfrm>
+                <a:off x="4545362" y="5892334"/>
+                <a:ext cx="259395" cy="276999"/>
+              </a:xfrm>
+              <a:prstGeom prst="rect">
+                <a:avLst/>
+              </a:prstGeom>
+              <a:noFill/>
+            </p:spPr>
+            <p:txBody>
+              <a:bodyPr wrap="square" lIns="0" tIns="0" rIns="0" bIns="0" rtlCol="0">
+                <a:spAutoFit/>
+              </a:bodyPr>
+              <a:lstStyle/>
+              <a:p>
+                <a:pPr/>
+                <a14:m>
+                  <m:oMathPara xmlns:m="http://schemas.openxmlformats.org/officeDocument/2006/math">
+                    <m:oMathParaPr>
+                      <m:jc m:val="centerGroup"/>
+                    </m:oMathParaPr>
+                    <m:oMath xmlns:m="http://schemas.openxmlformats.org/officeDocument/2006/math">
+                      <m:sSub>
+                        <m:sSubPr>
+                          <m:ctrlPr>
+                            <a:rPr lang="de-DE" i="1" smtClean="0">
+                              <a:solidFill>
+                                <a:srgbClr val="0070C0"/>
+                              </a:solidFill>
+                              <a:latin typeface="Cambria Math" panose="02040503050406030204" pitchFamily="18" charset="0"/>
+                            </a:rPr>
+                          </m:ctrlPr>
+                        </m:sSubPr>
+                        <m:e>
+                          <m:r>
+                            <a:rPr lang="de-DE" b="0" i="1" smtClean="0">
+                              <a:solidFill>
+                                <a:srgbClr val="0070C0"/>
+                              </a:solidFill>
+                              <a:latin typeface="Cambria Math" panose="02040503050406030204" pitchFamily="18" charset="0"/>
+                            </a:rPr>
+                            <m:t>𝑇</m:t>
+                          </m:r>
+                        </m:e>
+                        <m:sub>
+                          <m:r>
+                            <a:rPr lang="de-DE" b="0" i="1" smtClean="0">
+                              <a:solidFill>
+                                <a:srgbClr val="0070C0"/>
+                              </a:solidFill>
+                              <a:latin typeface="Cambria Math" panose="02040503050406030204" pitchFamily="18" charset="0"/>
+                            </a:rPr>
+                            <m:t>1</m:t>
+                          </m:r>
+                        </m:sub>
+                      </m:sSub>
+                    </m:oMath>
+                  </m:oMathPara>
+                </a14:m>
+                <a:endParaRPr lang="de-DE" dirty="0"/>
+              </a:p>
+            </p:txBody>
+          </p:sp>
+        </mc:Choice>
+        <mc:Fallback xmlns="">
+          <p:sp>
+            <p:nvSpPr>
+              <p:cNvPr id="15" name="Textfeld 14">
+                <a:extLst>
+                  <a:ext uri="{FF2B5EF4-FFF2-40B4-BE49-F238E27FC236}">
+                    <a16:creationId xmlns:a16="http://schemas.microsoft.com/office/drawing/2014/main" id="{01CB34D9-7ADD-7E3B-680E-C08F9F475534}"/>
+                  </a:ext>
+                </a:extLst>
+              </p:cNvPr>
+              <p:cNvSpPr txBox="1">
+                <a:spLocks noRot="1" noChangeAspect="1" noMove="1" noResize="1" noEditPoints="1" noAdjustHandles="1" noChangeArrowheads="1" noChangeShapeType="1" noTextEdit="1"/>
+              </p:cNvSpPr>
+              <p:nvPr/>
+            </p:nvSpPr>
+            <p:spPr>
+              <a:xfrm>
+                <a:off x="4545362" y="5892334"/>
+                <a:ext cx="259395" cy="276999"/>
+              </a:xfrm>
+              <a:prstGeom prst="rect">
+                <a:avLst/>
+              </a:prstGeom>
+              <a:blipFill>
+                <a:blip r:embed="rId5"/>
+                <a:stretch>
+                  <a:fillRect l="-23810" r="-11905" b="-15556"/>
+                </a:stretch>
+              </a:blipFill>
+            </p:spPr>
+            <p:txBody>
+              <a:bodyPr/>
+              <a:lstStyle/>
+              <a:p>
+                <a:r>
+                  <a:rPr lang="de-DE">
+                    <a:noFill/>
+                  </a:rPr>
+                  <a:t> </a:t>
+                </a:r>
+              </a:p>
+            </p:txBody>
+          </p:sp>
+        </mc:Fallback>
+      </mc:AlternateContent>
       <p:cxnSp>
         <p:nvCxnSpPr>
-          <p:cNvPr id="11" name="Gerader Verbinder 10">
-            <a:extLst>
-              <a:ext uri="{FF2B5EF4-FFF2-40B4-BE49-F238E27FC236}">
-                <a16:creationId xmlns:a16="http://schemas.microsoft.com/office/drawing/2014/main" id="{2655F349-F93A-C852-9956-D8053DE8495B}"/>
+          <p:cNvPr id="16" name="Gerade Verbindung mit Pfeil 15">
+            <a:extLst>
+              <a:ext uri="{FF2B5EF4-FFF2-40B4-BE49-F238E27FC236}">
+                <a16:creationId xmlns:a16="http://schemas.microsoft.com/office/drawing/2014/main" id="{A78B135A-C92A-6DC3-5A7F-96B1D7656625}"/>
               </a:ext>
             </a:extLst>
           </p:cNvPr>
@@ -3461,17 +3908,19 @@
           <p:nvPr/>
         </p:nvCxnSpPr>
         <p:spPr>
-          <a:xfrm flipH="1">
-            <a:off x="7096125" y="1143000"/>
-            <a:ext cx="4152900" cy="5191125"/>
+          <a:xfrm>
+            <a:off x="8814181" y="3482340"/>
+            <a:ext cx="1655699" cy="0"/>
           </a:xfrm>
-          <a:prstGeom prst="line">
+          <a:prstGeom prst="straightConnector1">
             <a:avLst/>
           </a:prstGeom>
-          <a:ln w="12700">
+          <a:ln w="28575">
             <a:solidFill>
-              <a:srgbClr val="FF0000"/>
+              <a:srgbClr val="0070C0"/>
             </a:solidFill>
+            <a:headEnd type="triangle"/>
+            <a:tailEnd type="triangle"/>
           </a:ln>
         </p:spPr>
         <p:style>
@@ -3489,6 +3938,274 @@
           </a:fontRef>
         </p:style>
       </p:cxnSp>
+      <p:cxnSp>
+        <p:nvCxnSpPr>
+          <p:cNvPr id="18" name="Gerade Verbindung mit Pfeil 17">
+            <a:extLst>
+              <a:ext uri="{FF2B5EF4-FFF2-40B4-BE49-F238E27FC236}">
+                <a16:creationId xmlns:a16="http://schemas.microsoft.com/office/drawing/2014/main" id="{01582524-078C-1EF3-EF99-234E9982BDA7}"/>
+              </a:ext>
+            </a:extLst>
+          </p:cNvPr>
+          <p:cNvCxnSpPr>
+            <a:cxnSpLocks/>
+          </p:cNvCxnSpPr>
+          <p:nvPr/>
+        </p:nvCxnSpPr>
+        <p:spPr>
+          <a:xfrm>
+            <a:off x="10469880" y="1402080"/>
+            <a:ext cx="0" cy="2080260"/>
+          </a:xfrm>
+          <a:prstGeom prst="straightConnector1">
+            <a:avLst/>
+          </a:prstGeom>
+          <a:ln w="28575">
+            <a:solidFill>
+              <a:srgbClr val="0070C0"/>
+            </a:solidFill>
+            <a:headEnd type="triangle"/>
+            <a:tailEnd type="triangle"/>
+          </a:ln>
+        </p:spPr>
+        <p:style>
+          <a:lnRef idx="1">
+            <a:schemeClr val="accent1"/>
+          </a:lnRef>
+          <a:fillRef idx="0">
+            <a:schemeClr val="accent1"/>
+          </a:fillRef>
+          <a:effectRef idx="0">
+            <a:schemeClr val="accent1"/>
+          </a:effectRef>
+          <a:fontRef idx="minor">
+            <a:schemeClr val="tx1"/>
+          </a:fontRef>
+        </p:style>
+      </p:cxnSp>
+      <mc:AlternateContent xmlns:mc="http://schemas.openxmlformats.org/markup-compatibility/2006" xmlns:a14="http://schemas.microsoft.com/office/drawing/2010/main">
+        <mc:Choice Requires="a14">
+          <p:sp>
+            <p:nvSpPr>
+              <p:cNvPr id="22" name="Textfeld 21">
+                <a:extLst>
+                  <a:ext uri="{FF2B5EF4-FFF2-40B4-BE49-F238E27FC236}">
+                    <a16:creationId xmlns:a16="http://schemas.microsoft.com/office/drawing/2014/main" id="{54207221-7713-A4B7-82C0-AD4D19A961F1}"/>
+                  </a:ext>
+                </a:extLst>
+              </p:cNvPr>
+              <p:cNvSpPr txBox="1"/>
+              <p:nvPr/>
+            </p:nvSpPr>
+            <p:spPr>
+              <a:xfrm>
+                <a:off x="9512332" y="3540840"/>
+                <a:ext cx="259395" cy="276999"/>
+              </a:xfrm>
+              <a:prstGeom prst="rect">
+                <a:avLst/>
+              </a:prstGeom>
+              <a:noFill/>
+            </p:spPr>
+            <p:txBody>
+              <a:bodyPr wrap="square" lIns="0" tIns="0" rIns="0" bIns="0" rtlCol="0">
+                <a:spAutoFit/>
+              </a:bodyPr>
+              <a:lstStyle/>
+              <a:p>
+                <a:pPr/>
+                <a14:m>
+                  <m:oMathPara xmlns:m="http://schemas.openxmlformats.org/officeDocument/2006/math">
+                    <m:oMathParaPr>
+                      <m:jc m:val="centerGroup"/>
+                    </m:oMathParaPr>
+                    <m:oMath xmlns:m="http://schemas.openxmlformats.org/officeDocument/2006/math">
+                      <m:r>
+                        <a:rPr lang="de-DE" i="1" smtClean="0">
+                          <a:solidFill>
+                            <a:srgbClr val="0070C0"/>
+                          </a:solidFill>
+                          <a:latin typeface="Cambria Math" panose="02040503050406030204" pitchFamily="18" charset="0"/>
+                          <a:ea typeface="Cambria Math" panose="02040503050406030204" pitchFamily="18" charset="0"/>
+                        </a:rPr>
+                        <m:t>∆</m:t>
+                      </m:r>
+                      <m:r>
+                        <a:rPr lang="de-DE" b="0" i="1" smtClean="0">
+                          <a:solidFill>
+                            <a:srgbClr val="0070C0"/>
+                          </a:solidFill>
+                          <a:latin typeface="Cambria Math" panose="02040503050406030204" pitchFamily="18" charset="0"/>
+                          <a:ea typeface="Cambria Math" panose="02040503050406030204" pitchFamily="18" charset="0"/>
+                        </a:rPr>
+                        <m:t>𝑡</m:t>
+                      </m:r>
+                    </m:oMath>
+                  </m:oMathPara>
+                </a14:m>
+                <a:endParaRPr lang="de-DE" dirty="0"/>
+              </a:p>
+            </p:txBody>
+          </p:sp>
+        </mc:Choice>
+        <mc:Fallback xmlns="">
+          <p:sp>
+            <p:nvSpPr>
+              <p:cNvPr id="22" name="Textfeld 21">
+                <a:extLst>
+                  <a:ext uri="{FF2B5EF4-FFF2-40B4-BE49-F238E27FC236}">
+                    <a16:creationId xmlns:a16="http://schemas.microsoft.com/office/drawing/2014/main" id="{54207221-7713-A4B7-82C0-AD4D19A961F1}"/>
+                  </a:ext>
+                </a:extLst>
+              </p:cNvPr>
+              <p:cNvSpPr txBox="1">
+                <a:spLocks noRot="1" noChangeAspect="1" noMove="1" noResize="1" noEditPoints="1" noAdjustHandles="1" noChangeArrowheads="1" noChangeShapeType="1" noTextEdit="1"/>
+              </p:cNvSpPr>
+              <p:nvPr/>
+            </p:nvSpPr>
+            <p:spPr>
+              <a:xfrm>
+                <a:off x="9512332" y="3540840"/>
+                <a:ext cx="259395" cy="276999"/>
+              </a:xfrm>
+              <a:prstGeom prst="rect">
+                <a:avLst/>
+              </a:prstGeom>
+              <a:blipFill>
+                <a:blip r:embed="rId6"/>
+                <a:stretch>
+                  <a:fillRect l="-25581" r="-23256" b="-6667"/>
+                </a:stretch>
+              </a:blipFill>
+            </p:spPr>
+            <p:txBody>
+              <a:bodyPr/>
+              <a:lstStyle/>
+              <a:p>
+                <a:r>
+                  <a:rPr lang="de-DE">
+                    <a:noFill/>
+                  </a:rPr>
+                  <a:t> </a:t>
+                </a:r>
+              </a:p>
+            </p:txBody>
+          </p:sp>
+        </mc:Fallback>
+      </mc:AlternateContent>
+      <mc:AlternateContent xmlns:mc="http://schemas.openxmlformats.org/markup-compatibility/2006" xmlns:a14="http://schemas.microsoft.com/office/drawing/2010/main">
+        <mc:Choice Requires="a14">
+          <p:sp>
+            <p:nvSpPr>
+              <p:cNvPr id="23" name="Textfeld 22">
+                <a:extLst>
+                  <a:ext uri="{FF2B5EF4-FFF2-40B4-BE49-F238E27FC236}">
+                    <a16:creationId xmlns:a16="http://schemas.microsoft.com/office/drawing/2014/main" id="{73A3C891-BDAC-6302-C1F3-ECAD73A06424}"/>
+                  </a:ext>
+                </a:extLst>
+              </p:cNvPr>
+              <p:cNvSpPr txBox="1"/>
+              <p:nvPr/>
+            </p:nvSpPr>
+            <p:spPr>
+              <a:xfrm>
+                <a:off x="10533726" y="2300015"/>
+                <a:ext cx="439073" cy="284390"/>
+              </a:xfrm>
+              <a:prstGeom prst="rect">
+                <a:avLst/>
+              </a:prstGeom>
+              <a:noFill/>
+            </p:spPr>
+            <p:txBody>
+              <a:bodyPr wrap="square" lIns="0" tIns="0" rIns="0" bIns="0" rtlCol="0">
+                <a:spAutoFit/>
+              </a:bodyPr>
+              <a:lstStyle/>
+              <a:p>
+                <a:pPr/>
+                <a14:m>
+                  <m:oMathPara xmlns:m="http://schemas.openxmlformats.org/officeDocument/2006/math">
+                    <m:oMathParaPr>
+                      <m:jc m:val="centerGroup"/>
+                    </m:oMathParaPr>
+                    <m:oMath xmlns:m="http://schemas.openxmlformats.org/officeDocument/2006/math">
+                      <m:r>
+                        <a:rPr lang="de-DE" i="1" smtClean="0">
+                          <a:solidFill>
+                            <a:srgbClr val="0070C0"/>
+                          </a:solidFill>
+                          <a:latin typeface="Cambria Math" panose="02040503050406030204" pitchFamily="18" charset="0"/>
+                          <a:ea typeface="Cambria Math" panose="02040503050406030204" pitchFamily="18" charset="0"/>
+                        </a:rPr>
+                        <m:t>∆</m:t>
+                      </m:r>
+                      <m:r>
+                        <m:rPr>
+                          <m:sty m:val="p"/>
+                        </m:rPr>
+                        <a:rPr lang="de-DE" b="0" i="0" smtClean="0">
+                          <a:solidFill>
+                            <a:srgbClr val="0070C0"/>
+                          </a:solidFill>
+                          <a:latin typeface="Cambria Math" panose="02040503050406030204" pitchFamily="18" charset="0"/>
+                          <a:ea typeface="Cambria Math" panose="02040503050406030204" pitchFamily="18" charset="0"/>
+                        </a:rPr>
+                        <m:t>x</m:t>
+                      </m:r>
+                    </m:oMath>
+                  </m:oMathPara>
+                </a14:m>
+                <a:endParaRPr lang="de-DE" dirty="0"/>
+              </a:p>
+            </p:txBody>
+          </p:sp>
+        </mc:Choice>
+        <mc:Fallback xmlns="">
+          <p:sp>
+            <p:nvSpPr>
+              <p:cNvPr id="23" name="Textfeld 22">
+                <a:extLst>
+                  <a:ext uri="{FF2B5EF4-FFF2-40B4-BE49-F238E27FC236}">
+                    <a16:creationId xmlns:a16="http://schemas.microsoft.com/office/drawing/2014/main" id="{73A3C891-BDAC-6302-C1F3-ECAD73A06424}"/>
+                  </a:ext>
+                </a:extLst>
+              </p:cNvPr>
+              <p:cNvSpPr txBox="1">
+                <a:spLocks noRot="1" noChangeAspect="1" noMove="1" noResize="1" noEditPoints="1" noAdjustHandles="1" noChangeArrowheads="1" noChangeShapeType="1" noTextEdit="1"/>
+              </p:cNvSpPr>
+              <p:nvPr/>
+            </p:nvSpPr>
+            <p:spPr>
+              <a:xfrm>
+                <a:off x="10533726" y="2300015"/>
+                <a:ext cx="439073" cy="284390"/>
+              </a:xfrm>
+              <a:prstGeom prst="rect">
+                <a:avLst/>
+              </a:prstGeom>
+              <a:blipFill>
+                <a:blip r:embed="rId7"/>
+                <a:stretch>
+                  <a:fillRect b="-4255"/>
+                </a:stretch>
+              </a:blipFill>
+            </p:spPr>
+            <p:txBody>
+              <a:bodyPr/>
+              <a:lstStyle/>
+              <a:p>
+                <a:r>
+                  <a:rPr lang="de-DE">
+                    <a:noFill/>
+                  </a:rPr>
+                  <a:t> </a:t>
+                </a:r>
+              </a:p>
+            </p:txBody>
+          </p:sp>
+        </mc:Fallback>
+      </mc:AlternateContent>
     </p:spTree>
     <p:extLst>
       <p:ext uri="{BB962C8B-B14F-4D97-AF65-F5344CB8AC3E}">
@@ -3540,7 +4257,7 @@
           <a:bodyPr/>
           <a:lstStyle/>
           <a:p>
-            <a:endParaRPr lang="de-DE"/>
+            <a:endParaRPr lang="de-DE" dirty="0"/>
           </a:p>
         </p:txBody>
       </p:sp>
@@ -3619,10 +4336,9 @@
               <a:t>Kis</a:t>
             </a:r>
             <a:r>
-              <a:rPr lang="de-DE"/>
+              <a:rPr lang="de-DE" dirty="0"/>
               <a:t> = 0,33 </a:t>
             </a:r>
-            <a:endParaRPr lang="de-DE" dirty="0"/>
           </a:p>
         </p:txBody>
       </p:sp>
